--- a/docs/diagrams/RecModuleComparatorSequenceDiagram.pptx
+++ b/docs/diagrams/RecModuleComparatorSequenceDiagram.pptx
@@ -288,7 +288,8 @@
           <a:p>
             <a:fld id="{5E9A3543-A2DA-403C-B353-607F010D866D}" type="datetimeFigureOut">
               <a:rPr lang="en-SG" smtClean="0"/>
-              <a:t>10/4/2019</a:t>
+              <a:pPr/>
+              <a:t>12/4/2019</a:t>
             </a:fld>
             <a:endParaRPr lang="en-SG" dirty="0"/>
           </a:p>
@@ -330,6 +331,7 @@
           <a:p>
             <a:fld id="{4F0084BA-1F7C-4198-9725-B6848725B052}" type="slidenum">
               <a:rPr lang="en-SG" smtClean="0"/>
+              <a:pPr/>
               <a:t>‹#›</a:t>
             </a:fld>
             <a:endParaRPr lang="en-SG" dirty="0"/>
@@ -453,7 +455,8 @@
           <a:p>
             <a:fld id="{5E9A3543-A2DA-403C-B353-607F010D866D}" type="datetimeFigureOut">
               <a:rPr lang="en-SG" smtClean="0"/>
-              <a:t>10/4/2019</a:t>
+              <a:pPr/>
+              <a:t>12/4/2019</a:t>
             </a:fld>
             <a:endParaRPr lang="en-SG" dirty="0"/>
           </a:p>
@@ -495,6 +498,7 @@
           <a:p>
             <a:fld id="{4F0084BA-1F7C-4198-9725-B6848725B052}" type="slidenum">
               <a:rPr lang="en-SG" smtClean="0"/>
+              <a:pPr/>
               <a:t>‹#›</a:t>
             </a:fld>
             <a:endParaRPr lang="en-SG" dirty="0"/>
@@ -628,7 +632,8 @@
           <a:p>
             <a:fld id="{5E9A3543-A2DA-403C-B353-607F010D866D}" type="datetimeFigureOut">
               <a:rPr lang="en-SG" smtClean="0"/>
-              <a:t>10/4/2019</a:t>
+              <a:pPr/>
+              <a:t>12/4/2019</a:t>
             </a:fld>
             <a:endParaRPr lang="en-SG" dirty="0"/>
           </a:p>
@@ -670,6 +675,7 @@
           <a:p>
             <a:fld id="{4F0084BA-1F7C-4198-9725-B6848725B052}" type="slidenum">
               <a:rPr lang="en-SG" smtClean="0"/>
+              <a:pPr/>
               <a:t>‹#›</a:t>
             </a:fld>
             <a:endParaRPr lang="en-SG" dirty="0"/>
@@ -793,7 +799,8 @@
           <a:p>
             <a:fld id="{5E9A3543-A2DA-403C-B353-607F010D866D}" type="datetimeFigureOut">
               <a:rPr lang="en-SG" smtClean="0"/>
-              <a:t>10/4/2019</a:t>
+              <a:pPr/>
+              <a:t>12/4/2019</a:t>
             </a:fld>
             <a:endParaRPr lang="en-SG" dirty="0"/>
           </a:p>
@@ -835,6 +842,7 @@
           <a:p>
             <a:fld id="{4F0084BA-1F7C-4198-9725-B6848725B052}" type="slidenum">
               <a:rPr lang="en-SG" smtClean="0"/>
+              <a:pPr/>
               <a:t>‹#›</a:t>
             </a:fld>
             <a:endParaRPr lang="en-SG" dirty="0"/>
@@ -1034,7 +1042,8 @@
           <a:p>
             <a:fld id="{5E9A3543-A2DA-403C-B353-607F010D866D}" type="datetimeFigureOut">
               <a:rPr lang="en-SG" smtClean="0"/>
-              <a:t>10/4/2019</a:t>
+              <a:pPr/>
+              <a:t>12/4/2019</a:t>
             </a:fld>
             <a:endParaRPr lang="en-SG" dirty="0"/>
           </a:p>
@@ -1076,6 +1085,7 @@
           <a:p>
             <a:fld id="{4F0084BA-1F7C-4198-9725-B6848725B052}" type="slidenum">
               <a:rPr lang="en-SG" smtClean="0"/>
+              <a:pPr/>
               <a:t>‹#›</a:t>
             </a:fld>
             <a:endParaRPr lang="en-SG" dirty="0"/>
@@ -1317,7 +1327,8 @@
           <a:p>
             <a:fld id="{5E9A3543-A2DA-403C-B353-607F010D866D}" type="datetimeFigureOut">
               <a:rPr lang="en-SG" smtClean="0"/>
-              <a:t>10/4/2019</a:t>
+              <a:pPr/>
+              <a:t>12/4/2019</a:t>
             </a:fld>
             <a:endParaRPr lang="en-SG" dirty="0"/>
           </a:p>
@@ -1359,6 +1370,7 @@
           <a:p>
             <a:fld id="{4F0084BA-1F7C-4198-9725-B6848725B052}" type="slidenum">
               <a:rPr lang="en-SG" smtClean="0"/>
+              <a:pPr/>
               <a:t>‹#›</a:t>
             </a:fld>
             <a:endParaRPr lang="en-SG" dirty="0"/>
@@ -1734,7 +1746,8 @@
           <a:p>
             <a:fld id="{5E9A3543-A2DA-403C-B353-607F010D866D}" type="datetimeFigureOut">
               <a:rPr lang="en-SG" smtClean="0"/>
-              <a:t>10/4/2019</a:t>
+              <a:pPr/>
+              <a:t>12/4/2019</a:t>
             </a:fld>
             <a:endParaRPr lang="en-SG" dirty="0"/>
           </a:p>
@@ -1776,6 +1789,7 @@
           <a:p>
             <a:fld id="{4F0084BA-1F7C-4198-9725-B6848725B052}" type="slidenum">
               <a:rPr lang="en-SG" smtClean="0"/>
+              <a:pPr/>
               <a:t>‹#›</a:t>
             </a:fld>
             <a:endParaRPr lang="en-SG" dirty="0"/>
@@ -1847,7 +1861,8 @@
           <a:p>
             <a:fld id="{5E9A3543-A2DA-403C-B353-607F010D866D}" type="datetimeFigureOut">
               <a:rPr lang="en-SG" smtClean="0"/>
-              <a:t>10/4/2019</a:t>
+              <a:pPr/>
+              <a:t>12/4/2019</a:t>
             </a:fld>
             <a:endParaRPr lang="en-SG" dirty="0"/>
           </a:p>
@@ -1889,6 +1904,7 @@
           <a:p>
             <a:fld id="{4F0084BA-1F7C-4198-9725-B6848725B052}" type="slidenum">
               <a:rPr lang="en-SG" smtClean="0"/>
+              <a:pPr/>
               <a:t>‹#›</a:t>
             </a:fld>
             <a:endParaRPr lang="en-SG" dirty="0"/>
@@ -1937,7 +1953,8 @@
           <a:p>
             <a:fld id="{5E9A3543-A2DA-403C-B353-607F010D866D}" type="datetimeFigureOut">
               <a:rPr lang="en-SG" smtClean="0"/>
-              <a:t>10/4/2019</a:t>
+              <a:pPr/>
+              <a:t>12/4/2019</a:t>
             </a:fld>
             <a:endParaRPr lang="en-SG" dirty="0"/>
           </a:p>
@@ -1979,6 +1996,7 @@
           <a:p>
             <a:fld id="{4F0084BA-1F7C-4198-9725-B6848725B052}" type="slidenum">
               <a:rPr lang="en-SG" smtClean="0"/>
+              <a:pPr/>
               <a:t>‹#›</a:t>
             </a:fld>
             <a:endParaRPr lang="en-SG" dirty="0"/>
@@ -2209,7 +2227,8 @@
           <a:p>
             <a:fld id="{5E9A3543-A2DA-403C-B353-607F010D866D}" type="datetimeFigureOut">
               <a:rPr lang="en-SG" smtClean="0"/>
-              <a:t>10/4/2019</a:t>
+              <a:pPr/>
+              <a:t>12/4/2019</a:t>
             </a:fld>
             <a:endParaRPr lang="en-SG" dirty="0"/>
           </a:p>
@@ -2251,6 +2270,7 @@
           <a:p>
             <a:fld id="{4F0084BA-1F7C-4198-9725-B6848725B052}" type="slidenum">
               <a:rPr lang="en-SG" smtClean="0"/>
+              <a:pPr/>
               <a:t>‹#›</a:t>
             </a:fld>
             <a:endParaRPr lang="en-SG" dirty="0"/>
@@ -2457,7 +2477,8 @@
           <a:p>
             <a:fld id="{5E9A3543-A2DA-403C-B353-607F010D866D}" type="datetimeFigureOut">
               <a:rPr lang="en-SG" smtClean="0"/>
-              <a:t>10/4/2019</a:t>
+              <a:pPr/>
+              <a:t>12/4/2019</a:t>
             </a:fld>
             <a:endParaRPr lang="en-SG" dirty="0"/>
           </a:p>
@@ -2499,6 +2520,7 @@
           <a:p>
             <a:fld id="{4F0084BA-1F7C-4198-9725-B6848725B052}" type="slidenum">
               <a:rPr lang="en-SG" smtClean="0"/>
+              <a:pPr/>
               <a:t>‹#›</a:t>
             </a:fld>
             <a:endParaRPr lang="en-SG" dirty="0"/>
@@ -2665,7 +2687,8 @@
           <a:p>
             <a:fld id="{5E9A3543-A2DA-403C-B353-607F010D866D}" type="datetimeFigureOut">
               <a:rPr lang="en-SG" smtClean="0"/>
-              <a:t>10/4/2019</a:t>
+              <a:pPr/>
+              <a:t>12/4/2019</a:t>
             </a:fld>
             <a:endParaRPr lang="en-SG" dirty="0"/>
           </a:p>
@@ -2743,6 +2766,7 @@
           <a:p>
             <a:fld id="{4F0084BA-1F7C-4198-9725-B6848725B052}" type="slidenum">
               <a:rPr lang="en-SG" smtClean="0"/>
+              <a:pPr/>
               <a:t>‹#›</a:t>
             </a:fld>
             <a:endParaRPr lang="en-SG" dirty="0"/>
@@ -3044,7 +3068,7 @@
         <p:spPr>
           <a:xfrm>
             <a:off x="0" y="404664"/>
-            <a:ext cx="8964488" cy="12673408"/>
+            <a:ext cx="8964488" cy="12097344"/>
           </a:xfrm>
           <a:prstGeom prst="roundRect">
             <a:avLst>
@@ -3206,7 +3230,7 @@
         <p:spPr>
           <a:xfrm>
             <a:off x="251520" y="2996952"/>
-            <a:ext cx="8496944" cy="9793088"/>
+            <a:ext cx="8496944" cy="9289032"/>
           </a:xfrm>
           <a:prstGeom prst="rect">
             <a:avLst/>
@@ -3282,15 +3306,7 @@
                   <a:srgbClr val="7030A0"/>
                 </a:solidFill>
               </a:rPr>
-              <a:t>c</a:t>
-            </a:r>
-            <a:r>
-              <a:rPr lang="en-US" sz="1200" dirty="0" smtClean="0">
-                <a:solidFill>
-                  <a:srgbClr val="7030A0"/>
-                </a:solidFill>
-              </a:rPr>
-              <a:t>ompare(rm1, rm2)</a:t>
+              <a:t>compare(rm1, rm2)</a:t>
             </a:r>
             <a:endParaRPr lang="en-US" sz="1200" dirty="0">
               <a:solidFill>
@@ -3487,7 +3503,7 @@
         <p:spPr>
           <a:xfrm>
             <a:off x="1390948" y="1124744"/>
-            <a:ext cx="12700" cy="11377264"/>
+            <a:ext cx="12700" cy="11305256"/>
           </a:xfrm>
           <a:prstGeom prst="line">
             <a:avLst/>
@@ -3524,7 +3540,7 @@
         <p:spPr>
           <a:xfrm>
             <a:off x="1321912" y="1484784"/>
-            <a:ext cx="153744" cy="10729192"/>
+            <a:ext cx="153744" cy="10513168"/>
           </a:xfrm>
           <a:prstGeom prst="rect">
             <a:avLst/>
@@ -4382,15 +4398,7 @@
                   <a:schemeClr val="bg1"/>
                 </a:solidFill>
               </a:rPr>
-              <a:t>cr</a:t>
-            </a:r>
-            <a:r>
-              <a:rPr lang="en-US" sz="1600" dirty="0" smtClean="0">
-                <a:solidFill>
-                  <a:schemeClr val="bg1"/>
-                </a:solidFill>
-              </a:rPr>
-              <a:t>t1:CourseReqType</a:t>
+              <a:t>crt1:CourseReqType</a:t>
             </a:r>
             <a:endParaRPr lang="en-SG" sz="1600" dirty="0">
               <a:solidFill>
@@ -4773,7 +4781,7 @@
         </p:nvSpPr>
         <p:spPr>
           <a:xfrm>
-            <a:off x="1547664" y="4593828"/>
+            <a:off x="1187624" y="4593828"/>
             <a:ext cx="1440160" cy="184666"/>
           </a:xfrm>
           <a:prstGeom prst="rect">
@@ -4804,7 +4812,7 @@
                   <a:srgbClr val="7030A0"/>
                 </a:solidFill>
               </a:rPr>
-              <a:t>getModuleInfoCode()</a:t>
+              <a:t>getCode()</a:t>
             </a:r>
             <a:endParaRPr lang="en-US" sz="1200" dirty="0">
               <a:solidFill>
@@ -5002,7 +5010,7 @@
         </p:nvSpPr>
         <p:spPr>
           <a:xfrm>
-            <a:off x="1547664" y="5417666"/>
+            <a:off x="1187624" y="5417666"/>
             <a:ext cx="1440160" cy="184666"/>
           </a:xfrm>
           <a:prstGeom prst="rect">
@@ -5033,7 +5041,7 @@
                   <a:srgbClr val="7030A0"/>
                 </a:solidFill>
               </a:rPr>
-              <a:t>getModuleInfoCode()</a:t>
+              <a:t>getCode()</a:t>
             </a:r>
             <a:endParaRPr lang="en-US" sz="1200" dirty="0">
               <a:solidFill>
@@ -5834,7 +5842,7 @@
         <p:spPr>
           <a:xfrm>
             <a:off x="359024" y="7893496"/>
-            <a:ext cx="8245424" cy="4752528"/>
+            <a:ext cx="8245424" cy="4248472"/>
           </a:xfrm>
           <a:prstGeom prst="rect">
             <a:avLst/>
@@ -6090,15 +6098,7 @@
                   <a:srgbClr val="7030A0"/>
                 </a:solidFill>
               </a:rPr>
-              <a:t>l</a:t>
-            </a:r>
-            <a:r>
-              <a:rPr lang="en-US" sz="1200" dirty="0" smtClean="0">
-                <a:solidFill>
-                  <a:srgbClr val="7030A0"/>
-                </a:solidFill>
-              </a:rPr>
-              <a:t>vl1 – lvl2</a:t>
+              <a:t>lvl1 – lvl2</a:t>
             </a:r>
             <a:endParaRPr lang="en-US" sz="1200" dirty="0">
               <a:solidFill>
@@ -6664,15 +6664,7 @@
                   <a:schemeClr val="bg1"/>
                 </a:solidFill>
               </a:rPr>
-              <a:t>str</a:t>
-            </a:r>
-            <a:r>
-              <a:rPr lang="en-US" sz="1600" dirty="0" smtClean="0">
-                <a:solidFill>
-                  <a:schemeClr val="bg1"/>
-                </a:solidFill>
-              </a:rPr>
-              <a:t>1:String</a:t>
+              <a:t>str1:String</a:t>
             </a:r>
             <a:endParaRPr lang="en-SG" sz="1600" dirty="0">
               <a:solidFill>
@@ -6955,7 +6947,7 @@
         </p:nvCxnSpPr>
         <p:spPr>
           <a:xfrm>
-            <a:off x="88454" y="11997952"/>
+            <a:off x="88454" y="11991602"/>
             <a:ext cx="1224136" cy="0"/>
           </a:xfrm>
           <a:prstGeom prst="straightConnector1">
